--- a/RMCS_2026.pptx
+++ b/RMCS_2026.pptx
@@ -808,7 +808,7 @@
   <p:cSld>
     <p:spTree>
       <p:nvGrpSpPr>
-        <p:cNvPr id="143" name="Shape 143"/>
+        <p:cNvPr id="144" name="Shape 144"/>
         <p:cNvGrpSpPr/>
         <p:nvPr/>
       </p:nvGrpSpPr>
@@ -822,7 +822,7 @@
       </p:grpSpPr>
       <p:sp>
         <p:nvSpPr>
-          <p:cNvPr id="144" name="Google Shape;144;g3bc9cdfe91b_0_480:notes"/>
+          <p:cNvPr id="145" name="Google Shape;145;g3bc9cdfe91b_0_480:notes"/>
           <p:cNvSpPr/>
           <p:nvPr>
             <p:ph idx="2" type="sldImg"/>
@@ -857,7 +857,7 @@
       </p:sp>
       <p:sp>
         <p:nvSpPr>
-          <p:cNvPr id="145" name="Google Shape;145;g3bc9cdfe91b_0_480:notes"/>
+          <p:cNvPr id="146" name="Google Shape;146;g3bc9cdfe91b_0_480:notes"/>
           <p:cNvSpPr txBox="1"/>
           <p:nvPr>
             <p:ph idx="1" type="body"/>
@@ -907,7 +907,7 @@
   <p:cSld>
     <p:spTree>
       <p:nvGrpSpPr>
-        <p:cNvPr id="148" name="Shape 148"/>
+        <p:cNvPr id="149" name="Shape 149"/>
         <p:cNvGrpSpPr/>
         <p:nvPr/>
       </p:nvGrpSpPr>
@@ -921,7 +921,7 @@
       </p:grpSpPr>
       <p:sp>
         <p:nvSpPr>
-          <p:cNvPr id="149" name="Google Shape;149;g3bc9cdfe91b_0_484:notes"/>
+          <p:cNvPr id="150" name="Google Shape;150;g3bc9cdfe91b_0_484:notes"/>
           <p:cNvSpPr/>
           <p:nvPr>
             <p:ph idx="2" type="sldImg"/>
@@ -956,7 +956,7 @@
       </p:sp>
       <p:sp>
         <p:nvSpPr>
-          <p:cNvPr id="150" name="Google Shape;150;g3bc9cdfe91b_0_484:notes"/>
+          <p:cNvPr id="151" name="Google Shape;151;g3bc9cdfe91b_0_484:notes"/>
           <p:cNvSpPr txBox="1"/>
           <p:nvPr>
             <p:ph idx="1" type="body"/>
@@ -1006,7 +1006,7 @@
   <p:cSld>
     <p:spTree>
       <p:nvGrpSpPr>
-        <p:cNvPr id="153" name="Shape 153"/>
+        <p:cNvPr id="154" name="Shape 154"/>
         <p:cNvGrpSpPr/>
         <p:nvPr/>
       </p:nvGrpSpPr>
@@ -1020,7 +1020,7 @@
       </p:grpSpPr>
       <p:sp>
         <p:nvSpPr>
-          <p:cNvPr id="154" name="Google Shape;154;g3bc9cdfe91b_0_488:notes"/>
+          <p:cNvPr id="155" name="Google Shape;155;g3bc9cdfe91b_0_488:notes"/>
           <p:cNvSpPr/>
           <p:nvPr>
             <p:ph idx="2" type="sldImg"/>
@@ -1055,7 +1055,7 @@
       </p:sp>
       <p:sp>
         <p:nvSpPr>
-          <p:cNvPr id="155" name="Google Shape;155;g3bc9cdfe91b_0_488:notes"/>
+          <p:cNvPr id="156" name="Google Shape;156;g3bc9cdfe91b_0_488:notes"/>
           <p:cNvSpPr txBox="1"/>
           <p:nvPr>
             <p:ph idx="1" type="body"/>
@@ -1105,7 +1105,7 @@
   <p:cSld>
     <p:spTree>
       <p:nvGrpSpPr>
-        <p:cNvPr id="158" name="Shape 158"/>
+        <p:cNvPr id="159" name="Shape 159"/>
         <p:cNvGrpSpPr/>
         <p:nvPr/>
       </p:nvGrpSpPr>
@@ -1119,7 +1119,7 @@
       </p:grpSpPr>
       <p:sp>
         <p:nvSpPr>
-          <p:cNvPr id="159" name="Google Shape;159;g3bc9cdfe91b_0_492:notes"/>
+          <p:cNvPr id="160" name="Google Shape;160;g3bc9cdfe91b_0_492:notes"/>
           <p:cNvSpPr/>
           <p:nvPr>
             <p:ph idx="2" type="sldImg"/>
@@ -1154,7 +1154,7 @@
       </p:sp>
       <p:sp>
         <p:nvSpPr>
-          <p:cNvPr id="160" name="Google Shape;160;g3bc9cdfe91b_0_492:notes"/>
+          <p:cNvPr id="161" name="Google Shape;161;g3bc9cdfe91b_0_492:notes"/>
           <p:cNvSpPr txBox="1"/>
           <p:nvPr>
             <p:ph idx="1" type="body"/>
@@ -1204,7 +1204,7 @@
   <p:cSld>
     <p:spTree>
       <p:nvGrpSpPr>
-        <p:cNvPr id="163" name="Shape 163"/>
+        <p:cNvPr id="164" name="Shape 164"/>
         <p:cNvGrpSpPr/>
         <p:nvPr/>
       </p:nvGrpSpPr>
@@ -1218,7 +1218,7 @@
       </p:grpSpPr>
       <p:sp>
         <p:nvSpPr>
-          <p:cNvPr id="164" name="Google Shape;164;g3bc9cdfe91b_0_496:notes"/>
+          <p:cNvPr id="165" name="Google Shape;165;g3bc9cdfe91b_0_496:notes"/>
           <p:cNvSpPr/>
           <p:nvPr>
             <p:ph idx="2" type="sldImg"/>
@@ -1253,7 +1253,7 @@
       </p:sp>
       <p:sp>
         <p:nvSpPr>
-          <p:cNvPr id="165" name="Google Shape;165;g3bc9cdfe91b_0_496:notes"/>
+          <p:cNvPr id="166" name="Google Shape;166;g3bc9cdfe91b_0_496:notes"/>
           <p:cNvSpPr txBox="1"/>
           <p:nvPr>
             <p:ph idx="1" type="body"/>
@@ -1303,7 +1303,7 @@
   <p:cSld>
     <p:spTree>
       <p:nvGrpSpPr>
-        <p:cNvPr id="168" name="Shape 168"/>
+        <p:cNvPr id="169" name="Shape 169"/>
         <p:cNvGrpSpPr/>
         <p:nvPr/>
       </p:nvGrpSpPr>
@@ -1317,7 +1317,7 @@
       </p:grpSpPr>
       <p:sp>
         <p:nvSpPr>
-          <p:cNvPr id="169" name="Google Shape;169;g3bc9cdfe91b_0_500:notes"/>
+          <p:cNvPr id="170" name="Google Shape;170;g3bc9cdfe91b_0_500:notes"/>
           <p:cNvSpPr/>
           <p:nvPr>
             <p:ph idx="2" type="sldImg"/>
@@ -1352,7 +1352,7 @@
       </p:sp>
       <p:sp>
         <p:nvSpPr>
-          <p:cNvPr id="170" name="Google Shape;170;g3bc9cdfe91b_0_500:notes"/>
+          <p:cNvPr id="171" name="Google Shape;171;g3bc9cdfe91b_0_500:notes"/>
           <p:cNvSpPr txBox="1"/>
           <p:nvPr>
             <p:ph idx="1" type="body"/>
@@ -1402,7 +1402,7 @@
   <p:cSld>
     <p:spTree>
       <p:nvGrpSpPr>
-        <p:cNvPr id="173" name="Shape 173"/>
+        <p:cNvPr id="174" name="Shape 174"/>
         <p:cNvGrpSpPr/>
         <p:nvPr/>
       </p:nvGrpSpPr>
@@ -1416,7 +1416,7 @@
       </p:grpSpPr>
       <p:sp>
         <p:nvSpPr>
-          <p:cNvPr id="174" name="Google Shape;174;g3bc9cdfe91b_0_504:notes"/>
+          <p:cNvPr id="175" name="Google Shape;175;g3bc9cdfe91b_0_504:notes"/>
           <p:cNvSpPr/>
           <p:nvPr>
             <p:ph idx="2" type="sldImg"/>
@@ -1451,7 +1451,7 @@
       </p:sp>
       <p:sp>
         <p:nvSpPr>
-          <p:cNvPr id="175" name="Google Shape;175;g3bc9cdfe91b_0_504:notes"/>
+          <p:cNvPr id="176" name="Google Shape;176;g3bc9cdfe91b_0_504:notes"/>
           <p:cNvSpPr txBox="1"/>
           <p:nvPr>
             <p:ph idx="1" type="body"/>
@@ -1501,7 +1501,7 @@
   <p:cSld>
     <p:spTree>
       <p:nvGrpSpPr>
-        <p:cNvPr id="178" name="Shape 178"/>
+        <p:cNvPr id="179" name="Shape 179"/>
         <p:cNvGrpSpPr/>
         <p:nvPr/>
       </p:nvGrpSpPr>
@@ -1515,7 +1515,7 @@
       </p:grpSpPr>
       <p:sp>
         <p:nvSpPr>
-          <p:cNvPr id="179" name="Google Shape;179;g3bc9cdfe91b_0_508:notes"/>
+          <p:cNvPr id="180" name="Google Shape;180;g3bc9cdfe91b_0_508:notes"/>
           <p:cNvSpPr/>
           <p:nvPr>
             <p:ph idx="2" type="sldImg"/>
@@ -1550,7 +1550,7 @@
       </p:sp>
       <p:sp>
         <p:nvSpPr>
-          <p:cNvPr id="180" name="Google Shape;180;g3bc9cdfe91b_0_508:notes"/>
+          <p:cNvPr id="181" name="Google Shape;181;g3bc9cdfe91b_0_508:notes"/>
           <p:cNvSpPr txBox="1"/>
           <p:nvPr>
             <p:ph idx="1" type="body"/>
@@ -1600,7 +1600,7 @@
   <p:cSld>
     <p:spTree>
       <p:nvGrpSpPr>
-        <p:cNvPr id="183" name="Shape 183"/>
+        <p:cNvPr id="184" name="Shape 184"/>
         <p:cNvGrpSpPr/>
         <p:nvPr/>
       </p:nvGrpSpPr>
@@ -1614,7 +1614,7 @@
       </p:grpSpPr>
       <p:sp>
         <p:nvSpPr>
-          <p:cNvPr id="184" name="Google Shape;184;g3bc9cdfe91b_0_567:notes"/>
+          <p:cNvPr id="185" name="Google Shape;185;g3bc9cdfe91b_0_567:notes"/>
           <p:cNvSpPr/>
           <p:nvPr>
             <p:ph idx="2" type="sldImg"/>
@@ -1659,7 +1659,7 @@
       </p:sp>
       <p:sp>
         <p:nvSpPr>
-          <p:cNvPr id="185" name="Google Shape;185;g3bc9cdfe91b_0_567:notes"/>
+          <p:cNvPr id="186" name="Google Shape;186;g3bc9cdfe91b_0_567:notes"/>
           <p:cNvSpPr txBox="1"/>
           <p:nvPr>
             <p:ph idx="1" type="body"/>
@@ -1717,7 +1717,7 @@
   <p:cSld>
     <p:spTree>
       <p:nvGrpSpPr>
-        <p:cNvPr id="102" name="Shape 102"/>
+        <p:cNvPr id="103" name="Shape 103"/>
         <p:cNvGrpSpPr/>
         <p:nvPr/>
       </p:nvGrpSpPr>
@@ -1731,7 +1731,7 @@
       </p:grpSpPr>
       <p:sp>
         <p:nvSpPr>
-          <p:cNvPr id="103" name="Google Shape;103;g3bc9cdfe91b_0_448:notes"/>
+          <p:cNvPr id="104" name="Google Shape;104;g3bc9cdfe91b_0_448:notes"/>
           <p:cNvSpPr/>
           <p:nvPr>
             <p:ph idx="2" type="sldImg"/>
@@ -1766,7 +1766,7 @@
       </p:sp>
       <p:sp>
         <p:nvSpPr>
-          <p:cNvPr id="104" name="Google Shape;104;g3bc9cdfe91b_0_448:notes"/>
+          <p:cNvPr id="105" name="Google Shape;105;g3bc9cdfe91b_0_448:notes"/>
           <p:cNvSpPr txBox="1"/>
           <p:nvPr>
             <p:ph idx="1" type="body"/>
@@ -1816,7 +1816,7 @@
   <p:cSld>
     <p:spTree>
       <p:nvGrpSpPr>
-        <p:cNvPr id="107" name="Shape 107"/>
+        <p:cNvPr id="108" name="Shape 108"/>
         <p:cNvGrpSpPr/>
         <p:nvPr/>
       </p:nvGrpSpPr>
@@ -1830,7 +1830,7 @@
       </p:grpSpPr>
       <p:sp>
         <p:nvSpPr>
-          <p:cNvPr id="108" name="Google Shape;108;g3bc9cdfe91b_0_452:notes"/>
+          <p:cNvPr id="109" name="Google Shape;109;g3bc9cdfe91b_0_452:notes"/>
           <p:cNvSpPr/>
           <p:nvPr>
             <p:ph idx="2" type="sldImg"/>
@@ -1865,7 +1865,7 @@
       </p:sp>
       <p:sp>
         <p:nvSpPr>
-          <p:cNvPr id="109" name="Google Shape;109;g3bc9cdfe91b_0_452:notes"/>
+          <p:cNvPr id="110" name="Google Shape;110;g3bc9cdfe91b_0_452:notes"/>
           <p:cNvSpPr txBox="1"/>
           <p:nvPr>
             <p:ph idx="1" type="body"/>
@@ -1915,7 +1915,7 @@
   <p:cSld>
     <p:spTree>
       <p:nvGrpSpPr>
-        <p:cNvPr id="112" name="Shape 112"/>
+        <p:cNvPr id="113" name="Shape 113"/>
         <p:cNvGrpSpPr/>
         <p:nvPr/>
       </p:nvGrpSpPr>
@@ -1929,7 +1929,7 @@
       </p:grpSpPr>
       <p:sp>
         <p:nvSpPr>
-          <p:cNvPr id="113" name="Google Shape;113;g3bc9cdfe91b_0_456:notes"/>
+          <p:cNvPr id="114" name="Google Shape;114;g3bc9cdfe91b_0_623:notes"/>
           <p:cNvSpPr/>
           <p:nvPr>
             <p:ph idx="2" type="sldImg"/>
@@ -1964,7 +1964,7 @@
       </p:sp>
       <p:sp>
         <p:nvSpPr>
-          <p:cNvPr id="114" name="Google Shape;114;g3bc9cdfe91b_0_456:notes"/>
+          <p:cNvPr id="115" name="Google Shape;115;g3bc9cdfe91b_0_623:notes"/>
           <p:cNvSpPr txBox="1"/>
           <p:nvPr>
             <p:ph idx="1" type="body"/>
@@ -2014,7 +2014,7 @@
   <p:cSld>
     <p:spTree>
       <p:nvGrpSpPr>
-        <p:cNvPr id="117" name="Shape 117"/>
+        <p:cNvPr id="118" name="Shape 118"/>
         <p:cNvGrpSpPr/>
         <p:nvPr/>
       </p:nvGrpSpPr>
@@ -2028,7 +2028,7 @@
       </p:grpSpPr>
       <p:sp>
         <p:nvSpPr>
-          <p:cNvPr id="118" name="Google Shape;118;g3bc9cdfe91b_0_460:notes"/>
+          <p:cNvPr id="119" name="Google Shape;119;g3bc9cdfe91b_0_460:notes"/>
           <p:cNvSpPr/>
           <p:nvPr>
             <p:ph idx="2" type="sldImg"/>
@@ -2063,7 +2063,7 @@
       </p:sp>
       <p:sp>
         <p:nvSpPr>
-          <p:cNvPr id="119" name="Google Shape;119;g3bc9cdfe91b_0_460:notes"/>
+          <p:cNvPr id="120" name="Google Shape;120;g3bc9cdfe91b_0_460:notes"/>
           <p:cNvSpPr txBox="1"/>
           <p:nvPr>
             <p:ph idx="1" type="body"/>
@@ -2113,7 +2113,7 @@
   <p:cSld>
     <p:spTree>
       <p:nvGrpSpPr>
-        <p:cNvPr id="122" name="Shape 122"/>
+        <p:cNvPr id="123" name="Shape 123"/>
         <p:cNvGrpSpPr/>
         <p:nvPr/>
       </p:nvGrpSpPr>
@@ -2127,7 +2127,7 @@
       </p:grpSpPr>
       <p:sp>
         <p:nvSpPr>
-          <p:cNvPr id="123" name="Google Shape;123;g3bc9cdfe91b_0_464:notes"/>
+          <p:cNvPr id="124" name="Google Shape;124;g3bc9cdfe91b_0_464:notes"/>
           <p:cNvSpPr/>
           <p:nvPr>
             <p:ph idx="2" type="sldImg"/>
@@ -2162,7 +2162,7 @@
       </p:sp>
       <p:sp>
         <p:nvSpPr>
-          <p:cNvPr id="124" name="Google Shape;124;g3bc9cdfe91b_0_464:notes"/>
+          <p:cNvPr id="125" name="Google Shape;125;g3bc9cdfe91b_0_464:notes"/>
           <p:cNvSpPr txBox="1"/>
           <p:nvPr>
             <p:ph idx="1" type="body"/>
@@ -2212,7 +2212,7 @@
   <p:cSld>
     <p:spTree>
       <p:nvGrpSpPr>
-        <p:cNvPr id="128" name="Shape 128"/>
+        <p:cNvPr id="129" name="Shape 129"/>
         <p:cNvGrpSpPr/>
         <p:nvPr/>
       </p:nvGrpSpPr>
@@ -2226,7 +2226,7 @@
       </p:grpSpPr>
       <p:sp>
         <p:nvSpPr>
-          <p:cNvPr id="129" name="Google Shape;129;g3bc9cdfe91b_0_468:notes"/>
+          <p:cNvPr id="130" name="Google Shape;130;g3bc9cdfe91b_0_468:notes"/>
           <p:cNvSpPr/>
           <p:nvPr>
             <p:ph idx="2" type="sldImg"/>
@@ -2261,7 +2261,7 @@
       </p:sp>
       <p:sp>
         <p:nvSpPr>
-          <p:cNvPr id="130" name="Google Shape;130;g3bc9cdfe91b_0_468:notes"/>
+          <p:cNvPr id="131" name="Google Shape;131;g3bc9cdfe91b_0_468:notes"/>
           <p:cNvSpPr txBox="1"/>
           <p:nvPr>
             <p:ph idx="1" type="body"/>
@@ -2311,7 +2311,7 @@
   <p:cSld>
     <p:spTree>
       <p:nvGrpSpPr>
-        <p:cNvPr id="133" name="Shape 133"/>
+        <p:cNvPr id="134" name="Shape 134"/>
         <p:cNvGrpSpPr/>
         <p:nvPr/>
       </p:nvGrpSpPr>
@@ -2325,7 +2325,7 @@
       </p:grpSpPr>
       <p:sp>
         <p:nvSpPr>
-          <p:cNvPr id="134" name="Google Shape;134;g3bc9cdfe91b_0_472:notes"/>
+          <p:cNvPr id="135" name="Google Shape;135;g3bc9cdfe91b_0_472:notes"/>
           <p:cNvSpPr/>
           <p:nvPr>
             <p:ph idx="2" type="sldImg"/>
@@ -2360,7 +2360,7 @@
       </p:sp>
       <p:sp>
         <p:nvSpPr>
-          <p:cNvPr id="135" name="Google Shape;135;g3bc9cdfe91b_0_472:notes"/>
+          <p:cNvPr id="136" name="Google Shape;136;g3bc9cdfe91b_0_472:notes"/>
           <p:cNvSpPr txBox="1"/>
           <p:nvPr>
             <p:ph idx="1" type="body"/>
@@ -2410,7 +2410,7 @@
   <p:cSld>
     <p:spTree>
       <p:nvGrpSpPr>
-        <p:cNvPr id="138" name="Shape 138"/>
+        <p:cNvPr id="139" name="Shape 139"/>
         <p:cNvGrpSpPr/>
         <p:nvPr/>
       </p:nvGrpSpPr>
@@ -2424,7 +2424,7 @@
       </p:grpSpPr>
       <p:sp>
         <p:nvSpPr>
-          <p:cNvPr id="139" name="Google Shape;139;g3bc9cdfe91b_0_476:notes"/>
+          <p:cNvPr id="140" name="Google Shape;140;g3bc9cdfe91b_0_476:notes"/>
           <p:cNvSpPr/>
           <p:nvPr>
             <p:ph idx="2" type="sldImg"/>
@@ -2459,7 +2459,7 @@
       </p:sp>
       <p:sp>
         <p:nvSpPr>
-          <p:cNvPr id="140" name="Google Shape;140;g3bc9cdfe91b_0_476:notes"/>
+          <p:cNvPr id="141" name="Google Shape;141;g3bc9cdfe91b_0_476:notes"/>
           <p:cNvSpPr txBox="1"/>
           <p:nvPr>
             <p:ph idx="1" type="body"/>
@@ -14970,6 +14970,34 @@
           </a:ln>
         </p:spPr>
       </p:pic>
+      <p:pic>
+        <p:nvPicPr>
+          <p:cNvPr id="102" name="Google Shape;102;p27"/>
+          <p:cNvPicPr preferRelativeResize="0"/>
+          <p:nvPr/>
+        </p:nvPicPr>
+        <p:blipFill>
+          <a:blip r:embed="rId4">
+            <a:alphaModFix/>
+          </a:blip>
+          <a:stretch>
+            <a:fillRect/>
+          </a:stretch>
+        </p:blipFill>
+        <p:spPr>
+          <a:xfrm>
+            <a:off x="4346650" y="329650"/>
+            <a:ext cx="2548575" cy="777325"/>
+          </a:xfrm>
+          <a:prstGeom prst="rect">
+            <a:avLst/>
+          </a:prstGeom>
+          <a:noFill/>
+          <a:ln>
+            <a:noFill/>
+          </a:ln>
+        </p:spPr>
+      </p:pic>
     </p:spTree>
   </p:cSld>
   <p:clrMapOvr>
@@ -14983,7 +15011,7 @@
   <p:cSld>
     <p:spTree>
       <p:nvGrpSpPr>
-        <p:cNvPr id="146" name="Shape 146"/>
+        <p:cNvPr id="147" name="Shape 147"/>
         <p:cNvGrpSpPr/>
         <p:nvPr/>
       </p:nvGrpSpPr>
@@ -14997,7 +15025,7 @@
       </p:grpSpPr>
       <p:pic>
         <p:nvPicPr>
-          <p:cNvPr descr="beautify slide 30, take inspiration from slide 8. dark background, main color theme should be #0DCC8A. No Kamwaza logos, put an image if you can fit it nicely." id="147" name="Google Shape;147;p36"/>
+          <p:cNvPr descr="beautify slide 30, take inspiration from slide 8. dark background, main color theme should be #0DCC8A. No Kamwaza logos, put an image if you can fit it nicely." id="148" name="Google Shape;148;p36"/>
           <p:cNvPicPr preferRelativeResize="0"/>
           <p:nvPr/>
         </p:nvPicPr>
@@ -15036,7 +15064,7 @@
   <p:cSld>
     <p:spTree>
       <p:nvGrpSpPr>
-        <p:cNvPr id="151" name="Shape 151"/>
+        <p:cNvPr id="152" name="Shape 152"/>
         <p:cNvGrpSpPr/>
         <p:nvPr/>
       </p:nvGrpSpPr>
@@ -15050,7 +15078,7 @@
       </p:grpSpPr>
       <p:pic>
         <p:nvPicPr>
-          <p:cNvPr descr="beautify slide 31, take inspiration from slide 8. dark background, main color theme should be #0DCC8A. No Kamwaza logos, put an image if you can fit it nicely." id="152" name="Google Shape;152;p37"/>
+          <p:cNvPr descr="beautify slide 31, take inspiration from slide 8. dark background, main color theme should be #0DCC8A. No Kamwaza logos, put an image if you can fit it nicely." id="153" name="Google Shape;153;p37"/>
           <p:cNvPicPr preferRelativeResize="0"/>
           <p:nvPr/>
         </p:nvPicPr>
@@ -15089,7 +15117,7 @@
   <p:cSld>
     <p:spTree>
       <p:nvGrpSpPr>
-        <p:cNvPr id="156" name="Shape 156"/>
+        <p:cNvPr id="157" name="Shape 157"/>
         <p:cNvGrpSpPr/>
         <p:nvPr/>
       </p:nvGrpSpPr>
@@ -15103,7 +15131,7 @@
       </p:grpSpPr>
       <p:pic>
         <p:nvPicPr>
-          <p:cNvPr descr="beautify slide 32, take inspiration from slide 8. dark background, main color theme should be #0DCC8A. No Kamwaza logos, put an image if you can fit it nicely." id="157" name="Google Shape;157;p38"/>
+          <p:cNvPr descr="beautify slide 32, take inspiration from slide 8. dark background, main color theme should be #0DCC8A. No Kamwaza logos, put an image if you can fit it nicely." id="158" name="Google Shape;158;p38"/>
           <p:cNvPicPr preferRelativeResize="0"/>
           <p:nvPr/>
         </p:nvPicPr>
@@ -15142,7 +15170,7 @@
   <p:cSld>
     <p:spTree>
       <p:nvGrpSpPr>
-        <p:cNvPr id="161" name="Shape 161"/>
+        <p:cNvPr id="162" name="Shape 162"/>
         <p:cNvGrpSpPr/>
         <p:nvPr/>
       </p:nvGrpSpPr>
@@ -15156,7 +15184,7 @@
       </p:grpSpPr>
       <p:pic>
         <p:nvPicPr>
-          <p:cNvPr descr="beautify slide 33, take inspiration from slide 8. dark background, main color theme should be #0DCC8A. No Kamwaza logos, put an image if you can fit it nicely." id="162" name="Google Shape;162;p39"/>
+          <p:cNvPr descr="beautify slide 33, take inspiration from slide 8. dark background, main color theme should be #0DCC8A. No Kamwaza logos, put an image if you can fit it nicely." id="163" name="Google Shape;163;p39"/>
           <p:cNvPicPr preferRelativeResize="0"/>
           <p:nvPr/>
         </p:nvPicPr>
@@ -15195,7 +15223,7 @@
   <p:cSld>
     <p:spTree>
       <p:nvGrpSpPr>
-        <p:cNvPr id="166" name="Shape 166"/>
+        <p:cNvPr id="167" name="Shape 167"/>
         <p:cNvGrpSpPr/>
         <p:nvPr/>
       </p:nvGrpSpPr>
@@ -15209,7 +15237,7 @@
       </p:grpSpPr>
       <p:pic>
         <p:nvPicPr>
-          <p:cNvPr descr="beautify slide 34, take inspiration from slide 8. dark background, main color theme should be #0DCC8A. No Kamwaza logos, put an image if you can fit it nicely." id="167" name="Google Shape;167;p40"/>
+          <p:cNvPr descr="beautify slide 34, take inspiration from slide 8. dark background, main color theme should be #0DCC8A. No Kamwaza logos, put an image if you can fit it nicely." id="168" name="Google Shape;168;p40"/>
           <p:cNvPicPr preferRelativeResize="0"/>
           <p:nvPr/>
         </p:nvPicPr>
@@ -15248,7 +15276,7 @@
   <p:cSld>
     <p:spTree>
       <p:nvGrpSpPr>
-        <p:cNvPr id="171" name="Shape 171"/>
+        <p:cNvPr id="172" name="Shape 172"/>
         <p:cNvGrpSpPr/>
         <p:nvPr/>
       </p:nvGrpSpPr>
@@ -15262,7 +15290,7 @@
       </p:grpSpPr>
       <p:pic>
         <p:nvPicPr>
-          <p:cNvPr descr="beautify slide 35, take inspiration from slide 8. dark background, main color theme should be #0DCC8A. No Kamwaza logos, put an image if you can fit it nicely." id="172" name="Google Shape;172;p41"/>
+          <p:cNvPr descr="beautify slide 35, take inspiration from slide 8. dark background, main color theme should be #0DCC8A. No Kamwaza logos, put an image if you can fit it nicely." id="173" name="Google Shape;173;p41"/>
           <p:cNvPicPr preferRelativeResize="0"/>
           <p:nvPr/>
         </p:nvPicPr>
@@ -15301,7 +15329,7 @@
   <p:cSld>
     <p:spTree>
       <p:nvGrpSpPr>
-        <p:cNvPr id="176" name="Shape 176"/>
+        <p:cNvPr id="177" name="Shape 177"/>
         <p:cNvGrpSpPr/>
         <p:nvPr/>
       </p:nvGrpSpPr>
@@ -15315,7 +15343,7 @@
       </p:grpSpPr>
       <p:pic>
         <p:nvPicPr>
-          <p:cNvPr descr="beautify slide 36, take inspiration from slide 8. dark background, main color theme should be #0DCC8A. No Kamwaza logos, put an image if you can fit it nicely." id="177" name="Google Shape;177;p42"/>
+          <p:cNvPr descr="beautify slide 36, take inspiration from slide 8. dark background, main color theme should be #0DCC8A. No Kamwaza logos, put an image if you can fit it nicely." id="178" name="Google Shape;178;p42"/>
           <p:cNvPicPr preferRelativeResize="0"/>
           <p:nvPr/>
         </p:nvPicPr>
@@ -15354,7 +15382,7 @@
   <p:cSld>
     <p:spTree>
       <p:nvGrpSpPr>
-        <p:cNvPr id="181" name="Shape 181"/>
+        <p:cNvPr id="182" name="Shape 182"/>
         <p:cNvGrpSpPr/>
         <p:nvPr/>
       </p:nvGrpSpPr>
@@ -15368,7 +15396,7 @@
       </p:grpSpPr>
       <p:pic>
         <p:nvPicPr>
-          <p:cNvPr descr="beautify slide 37, take inspiration from slide 8. dark background, main color theme should be #0DCC8A. No Kamwaza logos, put an image if you can fit it nicely." id="182" name="Google Shape;182;p43"/>
+          <p:cNvPr descr="beautify slide 37, take inspiration from slide 8. dark background, main color theme should be #0DCC8A. No Kamwaza logos, put an image if you can fit it nicely." id="183" name="Google Shape;183;p43"/>
           <p:cNvPicPr preferRelativeResize="0"/>
           <p:nvPr/>
         </p:nvPicPr>
@@ -15414,7 +15442,7 @@
     </p:bg>
     <p:spTree>
       <p:nvGrpSpPr>
-        <p:cNvPr id="186" name="Shape 186"/>
+        <p:cNvPr id="187" name="Shape 187"/>
         <p:cNvGrpSpPr/>
         <p:nvPr/>
       </p:nvGrpSpPr>
@@ -15428,7 +15456,7 @@
       </p:grpSpPr>
       <p:pic>
         <p:nvPicPr>
-          <p:cNvPr id="187" name="Google Shape;187;p44" title="Kami-Icon.png"/>
+          <p:cNvPr id="188" name="Google Shape;188;p44" title="Kami-Icon.png"/>
           <p:cNvPicPr preferRelativeResize="0"/>
           <p:nvPr/>
         </p:nvPicPr>
@@ -15455,7 +15483,7 @@
       </p:pic>
       <p:pic>
         <p:nvPicPr>
-          <p:cNvPr id="188" name="Google Shape;188;p44" title="kami logo.png"/>
+          <p:cNvPr id="189" name="Google Shape;189;p44" title="kami logo.png"/>
           <p:cNvPicPr preferRelativeResize="0"/>
           <p:nvPr/>
         </p:nvPicPr>
@@ -15482,7 +15510,7 @@
       </p:pic>
       <p:sp>
         <p:nvSpPr>
-          <p:cNvPr id="189" name="Google Shape;189;p44"/>
+          <p:cNvPr id="190" name="Google Shape;190;p44"/>
           <p:cNvSpPr/>
           <p:nvPr/>
         </p:nvSpPr>
@@ -15550,7 +15578,7 @@
       </p:sp>
       <p:sp>
         <p:nvSpPr>
-          <p:cNvPr id="190" name="Google Shape;190;p44"/>
+          <p:cNvPr id="191" name="Google Shape;191;p44"/>
           <p:cNvSpPr txBox="1"/>
           <p:nvPr>
             <p:ph type="ctrTitle"/>
@@ -15610,7 +15638,7 @@
       </p:sp>
       <p:sp>
         <p:nvSpPr>
-          <p:cNvPr id="191" name="Google Shape;191;p44"/>
+          <p:cNvPr id="192" name="Google Shape;192;p44"/>
           <p:cNvSpPr txBox="1"/>
           <p:nvPr>
             <p:ph idx="12" type="sldNum"/>
@@ -15661,7 +15689,7 @@
       </p:sp>
       <p:sp>
         <p:nvSpPr>
-          <p:cNvPr id="192" name="Google Shape;192;p44"/>
+          <p:cNvPr id="193" name="Google Shape;193;p44"/>
           <p:cNvSpPr txBox="1"/>
           <p:nvPr>
             <p:ph idx="1" type="subTitle"/>
@@ -15736,7 +15764,7 @@
   <p:cSld>
     <p:spTree>
       <p:nvGrpSpPr>
-        <p:cNvPr id="105" name="Shape 105"/>
+        <p:cNvPr id="106" name="Shape 106"/>
         <p:cNvGrpSpPr/>
         <p:nvPr/>
       </p:nvGrpSpPr>
@@ -15750,7 +15778,7 @@
       </p:grpSpPr>
       <p:pic>
         <p:nvPicPr>
-          <p:cNvPr descr="Beautify slide 22, add an exciting image to the right, dark background. Take inspiration from slide 3 or 4.  Main color should be green, #0DCC8A" id="106" name="Google Shape;106;p28"/>
+          <p:cNvPr descr="Beautify slide 22, add an exciting image to the right, dark background. Take inspiration from slide 3 or 4.  Main color should be green, #0DCC8A" id="107" name="Google Shape;107;p28"/>
           <p:cNvPicPr preferRelativeResize="0"/>
           <p:nvPr/>
         </p:nvPicPr>
@@ -15789,7 +15817,7 @@
   <p:cSld>
     <p:spTree>
       <p:nvGrpSpPr>
-        <p:cNvPr id="110" name="Shape 110"/>
+        <p:cNvPr id="111" name="Shape 111"/>
         <p:cNvGrpSpPr/>
         <p:nvPr/>
       </p:nvGrpSpPr>
@@ -15803,7 +15831,7 @@
       </p:grpSpPr>
       <p:pic>
         <p:nvPicPr>
-          <p:cNvPr descr="beautify slide 23, take inspiration from slide 8. dark background, main color theme should be #0DCC8A.  No Kamwaza logos, put an image if you can fit it nicely. " id="111" name="Google Shape;111;p29"/>
+          <p:cNvPr descr="beautify slide 23, take inspiration from slide 8. dark background, main color theme should be #0DCC8A.  No Kamwaza logos, put an image if you can fit it nicely. " id="112" name="Google Shape;112;p29"/>
           <p:cNvPicPr preferRelativeResize="0"/>
           <p:nvPr/>
         </p:nvPicPr>
@@ -15842,7 +15870,7 @@
   <p:cSld>
     <p:spTree>
       <p:nvGrpSpPr>
-        <p:cNvPr id="115" name="Shape 115"/>
+        <p:cNvPr id="116" name="Shape 116"/>
         <p:cNvGrpSpPr/>
         <p:nvPr/>
       </p:nvGrpSpPr>
@@ -15856,7 +15884,7 @@
       </p:grpSpPr>
       <p:pic>
         <p:nvPicPr>
-          <p:cNvPr descr="beautify slide 24, take inspiration from slide 8. dark background, main color theme should be #0DCC8A. No Kamwaza logos, put an image if you can fit it nicely." id="116" name="Google Shape;116;p30"/>
+          <p:cNvPr descr="I'm noticing slide 4 some of the words are not words.  Clean up the wording.  " id="117" name="Google Shape;117;p30"/>
           <p:cNvPicPr preferRelativeResize="0"/>
           <p:nvPr/>
         </p:nvPicPr>
@@ -15895,7 +15923,7 @@
   <p:cSld>
     <p:spTree>
       <p:nvGrpSpPr>
-        <p:cNvPr id="120" name="Shape 120"/>
+        <p:cNvPr id="121" name="Shape 121"/>
         <p:cNvGrpSpPr/>
         <p:nvPr/>
       </p:nvGrpSpPr>
@@ -15909,7 +15937,7 @@
       </p:grpSpPr>
       <p:pic>
         <p:nvPicPr>
-          <p:cNvPr descr="beautify slide 25, take inspiration from slide 8. dark background, main color theme should be #0DCC8A. No Kamwaza logos, put an image if you can fit it nicely." id="121" name="Google Shape;121;p31"/>
+          <p:cNvPr descr="beautify slide 25, take inspiration from slide 8. dark background, main color theme should be #0DCC8A. No Kamwaza logos, put an image if you can fit it nicely." id="122" name="Google Shape;122;p31"/>
           <p:cNvPicPr preferRelativeResize="0"/>
           <p:nvPr/>
         </p:nvPicPr>
@@ -15948,7 +15976,7 @@
   <p:cSld>
     <p:spTree>
       <p:nvGrpSpPr>
-        <p:cNvPr id="125" name="Shape 125"/>
+        <p:cNvPr id="126" name="Shape 126"/>
         <p:cNvGrpSpPr/>
         <p:nvPr/>
       </p:nvGrpSpPr>
@@ -15962,7 +15990,7 @@
       </p:grpSpPr>
       <p:pic>
         <p:nvPicPr>
-          <p:cNvPr descr="beautify slide 26, take inspiration from slide 8. dark background, main color theme should be #0DCC8A. No Kamwaza logos, put an image if you can fit it nicely." id="126" name="Google Shape;126;p32"/>
+          <p:cNvPr descr="beautify slide 26, take inspiration from slide 8. dark background, main color theme should be #0DCC8A. No Kamwaza logos, put an image if you can fit it nicely." id="127" name="Google Shape;127;p32"/>
           <p:cNvPicPr preferRelativeResize="0"/>
           <p:nvPr/>
         </p:nvPicPr>
@@ -15990,7 +16018,7 @@
       </p:pic>
       <p:sp>
         <p:nvSpPr>
-          <p:cNvPr id="127" name="Google Shape;127;p32"/>
+          <p:cNvPr id="128" name="Google Shape;128;p32"/>
           <p:cNvSpPr txBox="1"/>
           <p:nvPr/>
         </p:nvSpPr>
@@ -16071,7 +16099,7 @@
   <p:cSld>
     <p:spTree>
       <p:nvGrpSpPr>
-        <p:cNvPr id="131" name="Shape 131"/>
+        <p:cNvPr id="132" name="Shape 132"/>
         <p:cNvGrpSpPr/>
         <p:nvPr/>
       </p:nvGrpSpPr>
@@ -16085,7 +16113,7 @@
       </p:grpSpPr>
       <p:pic>
         <p:nvPicPr>
-          <p:cNvPr descr="beautify slide 27, take inspiration from slide 8. dark background, main color theme should be #0DCC8A. No Kamwaza logos, put an image if you can fit it nicely." id="132" name="Google Shape;132;p33"/>
+          <p:cNvPr descr="beautify slide 27, take inspiration from slide 8. dark background, main color theme should be #0DCC8A. No Kamwaza logos, put an image if you can fit it nicely." id="133" name="Google Shape;133;p33"/>
           <p:cNvPicPr preferRelativeResize="0"/>
           <p:nvPr/>
         </p:nvPicPr>
@@ -16124,7 +16152,7 @@
   <p:cSld>
     <p:spTree>
       <p:nvGrpSpPr>
-        <p:cNvPr id="136" name="Shape 136"/>
+        <p:cNvPr id="137" name="Shape 137"/>
         <p:cNvGrpSpPr/>
         <p:nvPr/>
       </p:nvGrpSpPr>
@@ -16138,7 +16166,7 @@
       </p:grpSpPr>
       <p:pic>
         <p:nvPicPr>
-          <p:cNvPr descr="beautify slide 28, take inspiration from slide 8. dark background, main color theme should be #0DCC8A. No Kamwaza logos, put an image if you can fit it nicely." id="137" name="Google Shape;137;p34"/>
+          <p:cNvPr descr="beautify slide 28, take inspiration from slide 8. dark background, main color theme should be #0DCC8A. No Kamwaza logos, put an image if you can fit it nicely." id="138" name="Google Shape;138;p34"/>
           <p:cNvPicPr preferRelativeResize="0"/>
           <p:nvPr/>
         </p:nvPicPr>
@@ -16177,7 +16205,7 @@
   <p:cSld>
     <p:spTree>
       <p:nvGrpSpPr>
-        <p:cNvPr id="141" name="Shape 141"/>
+        <p:cNvPr id="142" name="Shape 142"/>
         <p:cNvGrpSpPr/>
         <p:nvPr/>
       </p:nvGrpSpPr>
@@ -16191,7 +16219,7 @@
       </p:grpSpPr>
       <p:pic>
         <p:nvPicPr>
-          <p:cNvPr descr="beautify slide 29, take inspiration from slide 8. dark background, main color theme should be #0DCC8A. No Kamwaza logos, put an image if you can fit it nicely." id="142" name="Google Shape;142;p35"/>
+          <p:cNvPr descr="beautify slide 29, take inspiration from slide 8. dark background, main color theme should be #0DCC8A. No Kamwaza logos, put an image if you can fit it nicely." id="143" name="Google Shape;143;p35"/>
           <p:cNvPicPr preferRelativeResize="0"/>
           <p:nvPr/>
         </p:nvPicPr>
